--- a/apresentacao.pptx
+++ b/apresentacao.pptx
@@ -5383,7 +5383,7 @@
         </p:spPr>
         <p:txBody>
           <a:bodyPr>
-            <a:normAutofit fontScale="92500" lnSpcReduction="10000"/>
+            <a:normAutofit fontScale="77500" lnSpcReduction="20000"/>
           </a:bodyPr>
           <a:lstStyle/>
           <a:p>
@@ -5395,6 +5395,17 @@
                 </a:solidFill>
               </a:rPr>
               <a:t>Projeto de Bioinformática</a:t>
+            </a:r>
+          </a:p>
+          <a:p>
+            <a:pPr algn="ctr"/>
+            <a:r>
+              <a:rPr lang="pt-PT" sz="1300" dirty="0">
+                <a:solidFill>
+                  <a:schemeClr val="tx1"/>
+                </a:solidFill>
+              </a:rPr>
+              <a:t>Mestrado de Bioinformática</a:t>
             </a:r>
           </a:p>
           <a:p>
